--- a/PPT/210421_빛창식과 아이들.pptx
+++ b/PPT/210421_빛창식과 아이들.pptx
@@ -25,20 +25,20 @@
   <p:notesSz cx="6858000" cy="9144000"/>
   <p:embeddedFontLst>
     <p:embeddedFont>
-      <p:font typeface="Tmon몬소리 Black" panose="02000A03000000000000" pitchFamily="2" charset="-127"/>
-      <p:bold r:id="rId13"/>
-    </p:embeddedFont>
-    <p:embeddedFont>
-      <p:font typeface="한수원 한돋움" panose="020B0600000101010101" pitchFamily="50" charset="-127"/>
+      <p:font typeface="맑은 고딕" pitchFamily="50" charset="-127"/>
+      <p:regular r:id="rId13"/>
       <p:bold r:id="rId14"/>
     </p:embeddedFont>
     <p:embeddedFont>
-      <p:font typeface="한수원 한돋움 Bold" panose="020B0600000101010101" pitchFamily="50" charset="-127"/>
+      <p:font typeface="Tmon몬소리 Black" pitchFamily="2" charset="-127"/>
       <p:bold r:id="rId15"/>
     </p:embeddedFont>
     <p:embeddedFont>
-      <p:font typeface="맑은 고딕" panose="020B0503020000020004" pitchFamily="50" charset="-127"/>
-      <p:regular r:id="rId16"/>
+      <p:font typeface="한수원 한돋움" pitchFamily="50" charset="-127"/>
+      <p:bold r:id="rId16"/>
+    </p:embeddedFont>
+    <p:embeddedFont>
+      <p:font typeface="한수원 한돋움 Bold" pitchFamily="50" charset="-127"/>
       <p:bold r:id="rId17"/>
     </p:embeddedFont>
   </p:embeddedFontLst>
@@ -139,7 +139,7 @@
   </p:defaultTextStyle>
   <p:extLst>
     <p:ext uri="{EFAFB233-063F-42B5-8137-9DF3F51BA10A}">
-      <p15:sldGuideLst xmlns:p15="http://schemas.microsoft.com/office/powerpoint/2012/main">
+      <p15:sldGuideLst xmlns:p15="http://schemas.microsoft.com/office/powerpoint/2012/main" xmlns="">
         <p15:guide id="1" orient="horz" pos="1620">
           <p15:clr>
             <a:srgbClr val="A4A3A4"/>
@@ -153,7 +153,7 @@
       </p15:sldGuideLst>
     </p:ext>
     <p:ext uri="{2D200454-40CA-4A62-9FC3-DE9A4176ACB9}">
-      <p15:notesGuideLst xmlns:p15="http://schemas.microsoft.com/office/powerpoint/2012/main">
+      <p15:notesGuideLst xmlns:p15="http://schemas.microsoft.com/office/powerpoint/2012/main" xmlns="">
         <p15:guide id="1" orient="horz" pos="2880">
           <p15:clr>
             <a:srgbClr val="A4A3A4"/>
@@ -959,7 +959,7 @@
           <p:cNvPr id="4" name="날짜 개체 틀 3">
             <a:extLst>
               <a:ext uri="{FF2B5EF4-FFF2-40B4-BE49-F238E27FC236}">
-                <a16:creationId xmlns:a16="http://schemas.microsoft.com/office/drawing/2014/main" id="{3BA2C713-AC81-4EB2-9330-581E0B6AE811}"/>
+                <a16:creationId xmlns:a16="http://schemas.microsoft.com/office/drawing/2014/main" xmlns="" id="{3BA2C713-AC81-4EB2-9330-581E0B6AE811}"/>
               </a:ext>
             </a:extLst>
           </p:cNvPr>
@@ -988,7 +988,7 @@
           <p:cNvPr id="5" name="바닥글 개체 틀 4">
             <a:extLst>
               <a:ext uri="{FF2B5EF4-FFF2-40B4-BE49-F238E27FC236}">
-                <a16:creationId xmlns:a16="http://schemas.microsoft.com/office/drawing/2014/main" id="{1F0F55EC-D62C-46D0-85AA-2079E978B3AC}"/>
+                <a16:creationId xmlns:a16="http://schemas.microsoft.com/office/drawing/2014/main" xmlns="" id="{1F0F55EC-D62C-46D0-85AA-2079E978B3AC}"/>
               </a:ext>
             </a:extLst>
           </p:cNvPr>
@@ -1013,7 +1013,7 @@
           <p:cNvPr id="6" name="슬라이드 번호 개체 틀 5">
             <a:extLst>
               <a:ext uri="{FF2B5EF4-FFF2-40B4-BE49-F238E27FC236}">
-                <a16:creationId xmlns:a16="http://schemas.microsoft.com/office/drawing/2014/main" id="{A786F994-D68F-40EE-B340-2867A153420B}"/>
+                <a16:creationId xmlns:a16="http://schemas.microsoft.com/office/drawing/2014/main" xmlns="" id="{A786F994-D68F-40EE-B340-2867A153420B}"/>
               </a:ext>
             </a:extLst>
           </p:cNvPr>
@@ -1056,7 +1056,7 @@
   </p:timing>
   <p:extLst mod="1">
     <p:ext uri="{DCECCB84-F9BA-43D5-87BE-67443E8EF086}">
-      <p15:sldGuideLst xmlns:p15="http://schemas.microsoft.com/office/powerpoint/2012/main">
+      <p15:sldGuideLst xmlns:p15="http://schemas.microsoft.com/office/powerpoint/2012/main" xmlns="">
         <p15:guide id="1" orient="horz" pos="278" userDrawn="1">
           <p15:clr>
             <a:srgbClr val="FBAE40"/>
@@ -1105,7 +1105,7 @@
           <p:cNvPr id="4" name="날짜 개체 틀 3">
             <a:extLst>
               <a:ext uri="{FF2B5EF4-FFF2-40B4-BE49-F238E27FC236}">
-                <a16:creationId xmlns:a16="http://schemas.microsoft.com/office/drawing/2014/main" id="{46623D75-7690-462B-A0DC-A4F3108DC644}"/>
+                <a16:creationId xmlns:a16="http://schemas.microsoft.com/office/drawing/2014/main" xmlns="" id="{46623D75-7690-462B-A0DC-A4F3108DC644}"/>
               </a:ext>
             </a:extLst>
           </p:cNvPr>
@@ -1134,7 +1134,7 @@
           <p:cNvPr id="5" name="바닥글 개체 틀 4">
             <a:extLst>
               <a:ext uri="{FF2B5EF4-FFF2-40B4-BE49-F238E27FC236}">
-                <a16:creationId xmlns:a16="http://schemas.microsoft.com/office/drawing/2014/main" id="{70F3BCB1-6A24-432F-A778-B735C6861206}"/>
+                <a16:creationId xmlns:a16="http://schemas.microsoft.com/office/drawing/2014/main" xmlns="" id="{70F3BCB1-6A24-432F-A778-B735C6861206}"/>
               </a:ext>
             </a:extLst>
           </p:cNvPr>
@@ -1159,7 +1159,7 @@
           <p:cNvPr id="6" name="슬라이드 번호 개체 틀 5">
             <a:extLst>
               <a:ext uri="{FF2B5EF4-FFF2-40B4-BE49-F238E27FC236}">
-                <a16:creationId xmlns:a16="http://schemas.microsoft.com/office/drawing/2014/main" id="{FB4ED32B-3446-46D1-A849-41F78A9D9060}"/>
+                <a16:creationId xmlns:a16="http://schemas.microsoft.com/office/drawing/2014/main" xmlns="" id="{FB4ED32B-3446-46D1-A849-41F78A9D9060}"/>
               </a:ext>
             </a:extLst>
           </p:cNvPr>
@@ -1188,7 +1188,7 @@
           <p:cNvPr id="7" name="TextBox 6">
             <a:extLst>
               <a:ext uri="{FF2B5EF4-FFF2-40B4-BE49-F238E27FC236}">
-                <a16:creationId xmlns:a16="http://schemas.microsoft.com/office/drawing/2014/main" id="{A1687216-9C76-4F29-934C-F430DF40C5FA}"/>
+                <a16:creationId xmlns:a16="http://schemas.microsoft.com/office/drawing/2014/main" xmlns="" id="{A1687216-9C76-4F29-934C-F430DF40C5FA}"/>
               </a:ext>
             </a:extLst>
           </p:cNvPr>
@@ -1382,7 +1382,7 @@
           <p:cNvPr id="4" name="날짜 개체 틀 3">
             <a:extLst>
               <a:ext uri="{FF2B5EF4-FFF2-40B4-BE49-F238E27FC236}">
-                <a16:creationId xmlns:a16="http://schemas.microsoft.com/office/drawing/2014/main" id="{46623D75-7690-462B-A0DC-A4F3108DC644}"/>
+                <a16:creationId xmlns:a16="http://schemas.microsoft.com/office/drawing/2014/main" xmlns="" id="{46623D75-7690-462B-A0DC-A4F3108DC644}"/>
               </a:ext>
             </a:extLst>
           </p:cNvPr>
@@ -1411,7 +1411,7 @@
           <p:cNvPr id="5" name="바닥글 개체 틀 4">
             <a:extLst>
               <a:ext uri="{FF2B5EF4-FFF2-40B4-BE49-F238E27FC236}">
-                <a16:creationId xmlns:a16="http://schemas.microsoft.com/office/drawing/2014/main" id="{70F3BCB1-6A24-432F-A778-B735C6861206}"/>
+                <a16:creationId xmlns:a16="http://schemas.microsoft.com/office/drawing/2014/main" xmlns="" id="{70F3BCB1-6A24-432F-A778-B735C6861206}"/>
               </a:ext>
             </a:extLst>
           </p:cNvPr>
@@ -1436,7 +1436,7 @@
           <p:cNvPr id="6" name="슬라이드 번호 개체 틀 5">
             <a:extLst>
               <a:ext uri="{FF2B5EF4-FFF2-40B4-BE49-F238E27FC236}">
-                <a16:creationId xmlns:a16="http://schemas.microsoft.com/office/drawing/2014/main" id="{FB4ED32B-3446-46D1-A849-41F78A9D9060}"/>
+                <a16:creationId xmlns:a16="http://schemas.microsoft.com/office/drawing/2014/main" xmlns="" id="{FB4ED32B-3446-46D1-A849-41F78A9D9060}"/>
               </a:ext>
             </a:extLst>
           </p:cNvPr>
@@ -1465,7 +1465,7 @@
           <p:cNvPr id="7" name="TextBox 6">
             <a:extLst>
               <a:ext uri="{FF2B5EF4-FFF2-40B4-BE49-F238E27FC236}">
-                <a16:creationId xmlns:a16="http://schemas.microsoft.com/office/drawing/2014/main" id="{A1687216-9C76-4F29-934C-F430DF40C5FA}"/>
+                <a16:creationId xmlns:a16="http://schemas.microsoft.com/office/drawing/2014/main" xmlns="" id="{A1687216-9C76-4F29-934C-F430DF40C5FA}"/>
               </a:ext>
             </a:extLst>
           </p:cNvPr>
@@ -1638,7 +1638,7 @@
           <p:cNvPr id="4" name="날짜 개체 틀 3">
             <a:extLst>
               <a:ext uri="{FF2B5EF4-FFF2-40B4-BE49-F238E27FC236}">
-                <a16:creationId xmlns:a16="http://schemas.microsoft.com/office/drawing/2014/main" id="{46623D75-7690-462B-A0DC-A4F3108DC644}"/>
+                <a16:creationId xmlns:a16="http://schemas.microsoft.com/office/drawing/2014/main" xmlns="" id="{46623D75-7690-462B-A0DC-A4F3108DC644}"/>
               </a:ext>
             </a:extLst>
           </p:cNvPr>
@@ -1667,7 +1667,7 @@
           <p:cNvPr id="5" name="바닥글 개체 틀 4">
             <a:extLst>
               <a:ext uri="{FF2B5EF4-FFF2-40B4-BE49-F238E27FC236}">
-                <a16:creationId xmlns:a16="http://schemas.microsoft.com/office/drawing/2014/main" id="{70F3BCB1-6A24-432F-A778-B735C6861206}"/>
+                <a16:creationId xmlns:a16="http://schemas.microsoft.com/office/drawing/2014/main" xmlns="" id="{70F3BCB1-6A24-432F-A778-B735C6861206}"/>
               </a:ext>
             </a:extLst>
           </p:cNvPr>
@@ -1692,7 +1692,7 @@
           <p:cNvPr id="6" name="슬라이드 번호 개체 틀 5">
             <a:extLst>
               <a:ext uri="{FF2B5EF4-FFF2-40B4-BE49-F238E27FC236}">
-                <a16:creationId xmlns:a16="http://schemas.microsoft.com/office/drawing/2014/main" id="{FB4ED32B-3446-46D1-A849-41F78A9D9060}"/>
+                <a16:creationId xmlns:a16="http://schemas.microsoft.com/office/drawing/2014/main" xmlns="" id="{FB4ED32B-3446-46D1-A849-41F78A9D9060}"/>
               </a:ext>
             </a:extLst>
           </p:cNvPr>
@@ -1721,7 +1721,7 @@
           <p:cNvPr id="7" name="TextBox 6">
             <a:extLst>
               <a:ext uri="{FF2B5EF4-FFF2-40B4-BE49-F238E27FC236}">
-                <a16:creationId xmlns:a16="http://schemas.microsoft.com/office/drawing/2014/main" id="{A1687216-9C76-4F29-934C-F430DF40C5FA}"/>
+                <a16:creationId xmlns:a16="http://schemas.microsoft.com/office/drawing/2014/main" xmlns="" id="{A1687216-9C76-4F29-934C-F430DF40C5FA}"/>
               </a:ext>
             </a:extLst>
           </p:cNvPr>
@@ -1894,7 +1894,7 @@
           <p:cNvPr id="4" name="날짜 개체 틀 3">
             <a:extLst>
               <a:ext uri="{FF2B5EF4-FFF2-40B4-BE49-F238E27FC236}">
-                <a16:creationId xmlns:a16="http://schemas.microsoft.com/office/drawing/2014/main" id="{46623D75-7690-462B-A0DC-A4F3108DC644}"/>
+                <a16:creationId xmlns:a16="http://schemas.microsoft.com/office/drawing/2014/main" xmlns="" id="{46623D75-7690-462B-A0DC-A4F3108DC644}"/>
               </a:ext>
             </a:extLst>
           </p:cNvPr>
@@ -1923,7 +1923,7 @@
           <p:cNvPr id="5" name="바닥글 개체 틀 4">
             <a:extLst>
               <a:ext uri="{FF2B5EF4-FFF2-40B4-BE49-F238E27FC236}">
-                <a16:creationId xmlns:a16="http://schemas.microsoft.com/office/drawing/2014/main" id="{70F3BCB1-6A24-432F-A778-B735C6861206}"/>
+                <a16:creationId xmlns:a16="http://schemas.microsoft.com/office/drawing/2014/main" xmlns="" id="{70F3BCB1-6A24-432F-A778-B735C6861206}"/>
               </a:ext>
             </a:extLst>
           </p:cNvPr>
@@ -1948,7 +1948,7 @@
           <p:cNvPr id="6" name="슬라이드 번호 개체 틀 5">
             <a:extLst>
               <a:ext uri="{FF2B5EF4-FFF2-40B4-BE49-F238E27FC236}">
-                <a16:creationId xmlns:a16="http://schemas.microsoft.com/office/drawing/2014/main" id="{FB4ED32B-3446-46D1-A849-41F78A9D9060}"/>
+                <a16:creationId xmlns:a16="http://schemas.microsoft.com/office/drawing/2014/main" xmlns="" id="{FB4ED32B-3446-46D1-A849-41F78A9D9060}"/>
               </a:ext>
             </a:extLst>
           </p:cNvPr>
@@ -1977,7 +1977,7 @@
           <p:cNvPr id="7" name="TextBox 6">
             <a:extLst>
               <a:ext uri="{FF2B5EF4-FFF2-40B4-BE49-F238E27FC236}">
-                <a16:creationId xmlns:a16="http://schemas.microsoft.com/office/drawing/2014/main" id="{A1687216-9C76-4F29-934C-F430DF40C5FA}"/>
+                <a16:creationId xmlns:a16="http://schemas.microsoft.com/office/drawing/2014/main" xmlns="" id="{A1687216-9C76-4F29-934C-F430DF40C5FA}"/>
               </a:ext>
             </a:extLst>
           </p:cNvPr>
@@ -2150,7 +2150,7 @@
           <p:cNvPr id="2" name="제목 1">
             <a:extLst>
               <a:ext uri="{FF2B5EF4-FFF2-40B4-BE49-F238E27FC236}">
-                <a16:creationId xmlns:a16="http://schemas.microsoft.com/office/drawing/2014/main" id="{36BFCA8F-81E3-4494-807A-19ED363184C9}"/>
+                <a16:creationId xmlns:a16="http://schemas.microsoft.com/office/drawing/2014/main" xmlns="" id="{36BFCA8F-81E3-4494-807A-19ED363184C9}"/>
               </a:ext>
             </a:extLst>
           </p:cNvPr>
@@ -2190,7 +2190,7 @@
           <p:cNvPr id="3" name="부제목 2">
             <a:extLst>
               <a:ext uri="{FF2B5EF4-FFF2-40B4-BE49-F238E27FC236}">
-                <a16:creationId xmlns:a16="http://schemas.microsoft.com/office/drawing/2014/main" id="{54A30F0C-47F5-4BBB-8D9A-EEA1FF7E8DFB}"/>
+                <a16:creationId xmlns:a16="http://schemas.microsoft.com/office/drawing/2014/main" xmlns="" id="{54A30F0C-47F5-4BBB-8D9A-EEA1FF7E8DFB}"/>
               </a:ext>
             </a:extLst>
           </p:cNvPr>
@@ -2263,7 +2263,7 @@
           <p:cNvPr id="4" name="날짜 개체 틀 3">
             <a:extLst>
               <a:ext uri="{FF2B5EF4-FFF2-40B4-BE49-F238E27FC236}">
-                <a16:creationId xmlns:a16="http://schemas.microsoft.com/office/drawing/2014/main" id="{3BA2C713-AC81-4EB2-9330-581E0B6AE811}"/>
+                <a16:creationId xmlns:a16="http://schemas.microsoft.com/office/drawing/2014/main" xmlns="" id="{3BA2C713-AC81-4EB2-9330-581E0B6AE811}"/>
               </a:ext>
             </a:extLst>
           </p:cNvPr>
@@ -2292,7 +2292,7 @@
           <p:cNvPr id="5" name="바닥글 개체 틀 4">
             <a:extLst>
               <a:ext uri="{FF2B5EF4-FFF2-40B4-BE49-F238E27FC236}">
-                <a16:creationId xmlns:a16="http://schemas.microsoft.com/office/drawing/2014/main" id="{1F0F55EC-D62C-46D0-85AA-2079E978B3AC}"/>
+                <a16:creationId xmlns:a16="http://schemas.microsoft.com/office/drawing/2014/main" xmlns="" id="{1F0F55EC-D62C-46D0-85AA-2079E978B3AC}"/>
               </a:ext>
             </a:extLst>
           </p:cNvPr>
@@ -2317,7 +2317,7 @@
           <p:cNvPr id="6" name="슬라이드 번호 개체 틀 5">
             <a:extLst>
               <a:ext uri="{FF2B5EF4-FFF2-40B4-BE49-F238E27FC236}">
-                <a16:creationId xmlns:a16="http://schemas.microsoft.com/office/drawing/2014/main" id="{A786F994-D68F-40EE-B340-2867A153420B}"/>
+                <a16:creationId xmlns:a16="http://schemas.microsoft.com/office/drawing/2014/main" xmlns="" id="{A786F994-D68F-40EE-B340-2867A153420B}"/>
               </a:ext>
             </a:extLst>
           </p:cNvPr>
@@ -2353,7 +2353,7 @@
   </p:clrMapOvr>
   <p:extLst mod="1">
     <p:ext uri="{DCECCB84-F9BA-43D5-87BE-67443E8EF086}">
-      <p15:sldGuideLst xmlns:p15="http://schemas.microsoft.com/office/powerpoint/2012/main">
+      <p15:sldGuideLst xmlns:p15="http://schemas.microsoft.com/office/powerpoint/2012/main" xmlns="">
         <p15:guide id="1" orient="horz" pos="278" userDrawn="1">
           <p15:clr>
             <a:srgbClr val="FBAE40"/>
@@ -2410,7 +2410,7 @@
           <p:cNvPr id="4" name="날짜 개체 틀 3">
             <a:extLst>
               <a:ext uri="{FF2B5EF4-FFF2-40B4-BE49-F238E27FC236}">
-                <a16:creationId xmlns:a16="http://schemas.microsoft.com/office/drawing/2014/main" id="{42D06877-D131-4080-A9F4-48C0B274C06E}"/>
+                <a16:creationId xmlns:a16="http://schemas.microsoft.com/office/drawing/2014/main" xmlns="" id="{42D06877-D131-4080-A9F4-48C0B274C06E}"/>
               </a:ext>
             </a:extLst>
           </p:cNvPr>
@@ -2457,7 +2457,7 @@
           <p:cNvPr id="5" name="바닥글 개체 틀 4">
             <a:extLst>
               <a:ext uri="{FF2B5EF4-FFF2-40B4-BE49-F238E27FC236}">
-                <a16:creationId xmlns:a16="http://schemas.microsoft.com/office/drawing/2014/main" id="{64076F67-2A68-49D1-BB80-037677E09A3F}"/>
+                <a16:creationId xmlns:a16="http://schemas.microsoft.com/office/drawing/2014/main" xmlns="" id="{64076F67-2A68-49D1-BB80-037677E09A3F}"/>
               </a:ext>
             </a:extLst>
           </p:cNvPr>
@@ -2500,7 +2500,7 @@
           <p:cNvPr id="6" name="슬라이드 번호 개체 틀 5">
             <a:extLst>
               <a:ext uri="{FF2B5EF4-FFF2-40B4-BE49-F238E27FC236}">
-                <a16:creationId xmlns:a16="http://schemas.microsoft.com/office/drawing/2014/main" id="{58782565-736B-44B3-9A33-43CB9E3F7716}"/>
+                <a16:creationId xmlns:a16="http://schemas.microsoft.com/office/drawing/2014/main" xmlns="" id="{58782565-736B-44B3-9A33-43CB9E3F7716}"/>
               </a:ext>
             </a:extLst>
           </p:cNvPr>
@@ -3502,7 +3502,7 @@
           <p:cNvPr id="20" name="TextBox 19">
             <a:extLst>
               <a:ext uri="{FF2B5EF4-FFF2-40B4-BE49-F238E27FC236}">
-                <a16:creationId xmlns:a16="http://schemas.microsoft.com/office/drawing/2014/main" id="{704C1FE0-6BEB-44C5-B4B9-1755F444F838}"/>
+                <a16:creationId xmlns:a16="http://schemas.microsoft.com/office/drawing/2014/main" xmlns="" id="{704C1FE0-6BEB-44C5-B4B9-1755F444F838}"/>
               </a:ext>
             </a:extLst>
           </p:cNvPr>
@@ -3511,7 +3511,7 @@
         </p:nvSpPr>
         <p:spPr>
           <a:xfrm>
-            <a:off x="2687555" y="1701792"/>
+            <a:off x="2746019" y="1701792"/>
             <a:ext cx="3651962" cy="723275"/>
           </a:xfrm>
           <a:prstGeom prst="rect">
@@ -3581,7 +3581,7 @@
             <p:cNvPr id="22" name="직선 연결선 21">
               <a:extLst>
                 <a:ext uri="{FF2B5EF4-FFF2-40B4-BE49-F238E27FC236}">
-                  <a16:creationId xmlns:a16="http://schemas.microsoft.com/office/drawing/2014/main" id="{AA7311F7-BDB2-4871-A52E-85827F6BBA0C}"/>
+                  <a16:creationId xmlns:a16="http://schemas.microsoft.com/office/drawing/2014/main" xmlns="" id="{AA7311F7-BDB2-4871-A52E-85827F6BBA0C}"/>
                 </a:ext>
               </a:extLst>
             </p:cNvPr>
@@ -3622,7 +3622,7 @@
             <p:cNvPr id="23" name="직사각형 22">
               <a:extLst>
                 <a:ext uri="{FF2B5EF4-FFF2-40B4-BE49-F238E27FC236}">
-                  <a16:creationId xmlns:a16="http://schemas.microsoft.com/office/drawing/2014/main" id="{4607419D-DA91-41E9-BA14-DED2C6883059}"/>
+                  <a16:creationId xmlns:a16="http://schemas.microsoft.com/office/drawing/2014/main" xmlns="" id="{4607419D-DA91-41E9-BA14-DED2C6883059}"/>
                 </a:ext>
               </a:extLst>
             </p:cNvPr>
@@ -3724,7 +3724,7 @@
           <p:cNvPr id="7" name="TextBox 6">
             <a:extLst>
               <a:ext uri="{FF2B5EF4-FFF2-40B4-BE49-F238E27FC236}">
-                <a16:creationId xmlns:a16="http://schemas.microsoft.com/office/drawing/2014/main" id="{704C1FE0-6BEB-44C5-B4B9-1755F444F838}"/>
+                <a16:creationId xmlns:a16="http://schemas.microsoft.com/office/drawing/2014/main" xmlns="" id="{704C1FE0-6BEB-44C5-B4B9-1755F444F838}"/>
               </a:ext>
             </a:extLst>
           </p:cNvPr>
@@ -3788,7 +3788,7 @@
           <p:cNvPr id="17" name="직선 연결선 16">
             <a:extLst>
               <a:ext uri="{FF2B5EF4-FFF2-40B4-BE49-F238E27FC236}">
-                <a16:creationId xmlns:a16="http://schemas.microsoft.com/office/drawing/2014/main" id="{AA7311F7-BDB2-4871-A52E-85827F6BBA0C}"/>
+                <a16:creationId xmlns:a16="http://schemas.microsoft.com/office/drawing/2014/main" xmlns="" id="{AA7311F7-BDB2-4871-A52E-85827F6BBA0C}"/>
               </a:ext>
             </a:extLst>
           </p:cNvPr>
@@ -3831,7 +3831,7 @@
           <p:cNvPr id="65" name="직사각형 64">
             <a:extLst>
               <a:ext uri="{FF2B5EF4-FFF2-40B4-BE49-F238E27FC236}">
-                <a16:creationId xmlns:a16="http://schemas.microsoft.com/office/drawing/2014/main" id="{4607419D-DA91-41E9-BA14-DED2C6883059}"/>
+                <a16:creationId xmlns:a16="http://schemas.microsoft.com/office/drawing/2014/main" xmlns="" id="{4607419D-DA91-41E9-BA14-DED2C6883059}"/>
               </a:ext>
             </a:extLst>
           </p:cNvPr>
@@ -3920,7 +3920,7 @@
             <p:cNvPr id="32" name="직사각형 31">
               <a:extLst>
                 <a:ext uri="{FF2B5EF4-FFF2-40B4-BE49-F238E27FC236}">
-                  <a16:creationId xmlns:a16="http://schemas.microsoft.com/office/drawing/2014/main" id="{79E4D4CF-E815-4434-98D1-D205C55FA41F}"/>
+                  <a16:creationId xmlns:a16="http://schemas.microsoft.com/office/drawing/2014/main" xmlns="" id="{79E4D4CF-E815-4434-98D1-D205C55FA41F}"/>
                 </a:ext>
               </a:extLst>
             </p:cNvPr>
@@ -3990,7 +3990,7 @@
             <p:cNvPr id="33" name="직사각형 32">
               <a:extLst>
                 <a:ext uri="{FF2B5EF4-FFF2-40B4-BE49-F238E27FC236}">
-                  <a16:creationId xmlns:a16="http://schemas.microsoft.com/office/drawing/2014/main" id="{00ED8BB9-3121-4110-8B98-9D680221AE12}"/>
+                  <a16:creationId xmlns:a16="http://schemas.microsoft.com/office/drawing/2014/main" xmlns="" id="{00ED8BB9-3121-4110-8B98-9D680221AE12}"/>
                 </a:ext>
               </a:extLst>
             </p:cNvPr>
@@ -4073,7 +4073,7 @@
             <p:cNvPr id="30" name="직사각형 29">
               <a:extLst>
                 <a:ext uri="{FF2B5EF4-FFF2-40B4-BE49-F238E27FC236}">
-                  <a16:creationId xmlns:a16="http://schemas.microsoft.com/office/drawing/2014/main" id="{71E05397-CBA0-4CD3-BDA0-ECCF9AD60C5A}"/>
+                  <a16:creationId xmlns:a16="http://schemas.microsoft.com/office/drawing/2014/main" xmlns="" id="{71E05397-CBA0-4CD3-BDA0-ECCF9AD60C5A}"/>
                 </a:ext>
               </a:extLst>
             </p:cNvPr>
@@ -4143,7 +4143,7 @@
             <p:cNvPr id="31" name="직사각형 30">
               <a:extLst>
                 <a:ext uri="{FF2B5EF4-FFF2-40B4-BE49-F238E27FC236}">
-                  <a16:creationId xmlns:a16="http://schemas.microsoft.com/office/drawing/2014/main" id="{00ED8BB9-3121-4110-8B98-9D680221AE12}"/>
+                  <a16:creationId xmlns:a16="http://schemas.microsoft.com/office/drawing/2014/main" xmlns="" id="{00ED8BB9-3121-4110-8B98-9D680221AE12}"/>
                 </a:ext>
               </a:extLst>
             </p:cNvPr>
@@ -4226,7 +4226,7 @@
             <p:cNvPr id="28" name="직사각형 27">
               <a:extLst>
                 <a:ext uri="{FF2B5EF4-FFF2-40B4-BE49-F238E27FC236}">
-                  <a16:creationId xmlns:a16="http://schemas.microsoft.com/office/drawing/2014/main" id="{137EA967-CEA9-44DE-9294-0D152AA293B8}"/>
+                  <a16:creationId xmlns:a16="http://schemas.microsoft.com/office/drawing/2014/main" xmlns="" id="{137EA967-CEA9-44DE-9294-0D152AA293B8}"/>
                 </a:ext>
               </a:extLst>
             </p:cNvPr>
@@ -4296,7 +4296,7 @@
             <p:cNvPr id="29" name="직사각형 28">
               <a:extLst>
                 <a:ext uri="{FF2B5EF4-FFF2-40B4-BE49-F238E27FC236}">
-                  <a16:creationId xmlns:a16="http://schemas.microsoft.com/office/drawing/2014/main" id="{00ED8BB9-3121-4110-8B98-9D680221AE12}"/>
+                  <a16:creationId xmlns:a16="http://schemas.microsoft.com/office/drawing/2014/main" xmlns="" id="{00ED8BB9-3121-4110-8B98-9D680221AE12}"/>
                 </a:ext>
               </a:extLst>
             </p:cNvPr>
@@ -4379,7 +4379,7 @@
             <p:cNvPr id="26" name="직사각형 25">
               <a:extLst>
                 <a:ext uri="{FF2B5EF4-FFF2-40B4-BE49-F238E27FC236}">
-                  <a16:creationId xmlns:a16="http://schemas.microsoft.com/office/drawing/2014/main" id="{A7B5F3E0-8716-4DBC-9C00-68995BAFCA3B}"/>
+                  <a16:creationId xmlns:a16="http://schemas.microsoft.com/office/drawing/2014/main" xmlns="" id="{A7B5F3E0-8716-4DBC-9C00-68995BAFCA3B}"/>
                 </a:ext>
               </a:extLst>
             </p:cNvPr>
@@ -4449,7 +4449,7 @@
             <p:cNvPr id="27" name="직사각형 26">
               <a:extLst>
                 <a:ext uri="{FF2B5EF4-FFF2-40B4-BE49-F238E27FC236}">
-                  <a16:creationId xmlns:a16="http://schemas.microsoft.com/office/drawing/2014/main" id="{00ED8BB9-3121-4110-8B98-9D680221AE12}"/>
+                  <a16:creationId xmlns:a16="http://schemas.microsoft.com/office/drawing/2014/main" xmlns="" id="{00ED8BB9-3121-4110-8B98-9D680221AE12}"/>
                 </a:ext>
               </a:extLst>
             </p:cNvPr>
@@ -5078,7 +5078,7 @@
           <p:cNvPr id="48" name="TextBox 47">
             <a:extLst>
               <a:ext uri="{FF2B5EF4-FFF2-40B4-BE49-F238E27FC236}">
-                <a16:creationId xmlns:a16="http://schemas.microsoft.com/office/drawing/2014/main" id="{7C6F9878-777C-4CD4-9613-851CABCDFC3E}"/>
+                <a16:creationId xmlns:a16="http://schemas.microsoft.com/office/drawing/2014/main" xmlns="" id="{7C6F9878-777C-4CD4-9613-851CABCDFC3E}"/>
               </a:ext>
             </a:extLst>
           </p:cNvPr>
@@ -5128,7 +5128,7 @@
           <p:cNvPr id="39" name="직사각형 38">
             <a:extLst>
               <a:ext uri="{FF2B5EF4-FFF2-40B4-BE49-F238E27FC236}">
-                <a16:creationId xmlns:a16="http://schemas.microsoft.com/office/drawing/2014/main" id="{5898757E-EC0B-47E5-9EA1-43BA79ABA10A}"/>
+                <a16:creationId xmlns:a16="http://schemas.microsoft.com/office/drawing/2014/main" xmlns="" id="{5898757E-EC0B-47E5-9EA1-43BA79ABA10A}"/>
               </a:ext>
             </a:extLst>
           </p:cNvPr>
@@ -5699,7 +5699,7 @@
           <p:cNvPr id="2" name="TextBox 1">
             <a:extLst>
               <a:ext uri="{FF2B5EF4-FFF2-40B4-BE49-F238E27FC236}">
-                <a16:creationId xmlns:a16="http://schemas.microsoft.com/office/drawing/2014/main" id="{704C1FE0-6BEB-44C5-B4B9-1755F444F838}"/>
+                <a16:creationId xmlns:a16="http://schemas.microsoft.com/office/drawing/2014/main" xmlns="" id="{704C1FE0-6BEB-44C5-B4B9-1755F444F838}"/>
               </a:ext>
             </a:extLst>
           </p:cNvPr>
@@ -6827,7 +6827,7 @@
   <a:extraClrSchemeLst/>
   <a:extLst>
     <a:ext uri="{05A4C25C-085E-4340-85A3-A5531E510DB2}">
-      <thm15:themeFamily xmlns:thm15="http://schemas.microsoft.com/office/thememl/2012/main" name="Office Theme" id="{62F939B6-93AF-4DB8-9C6B-D6C7DFDC589F}" vid="{4A3C46E8-61CC-4603-A589-7422A47A8E4A}"/>
+      <thm15:themeFamily xmlns:thm15="http://schemas.microsoft.com/office/thememl/2012/main" xmlns="" name="Office Theme" id="{62F939B6-93AF-4DB8-9C6B-D6C7DFDC589F}" vid="{4A3C46E8-61CC-4603-A589-7422A47A8E4A}"/>
     </a:ext>
   </a:extLst>
 </a:theme>
